--- a/Báo cáo/Final_Ppt.pptx
+++ b/Báo cáo/Final_Ppt.pptx
@@ -127,6 +127,11 @@
       </a:defRPr>
     </a:lvl9pPr>
   </p:defaultTextStyle>
+  <p:extLst>
+    <p:ext uri="{EFAFB233-063F-42B5-8137-9DF3F51BA10A}">
+      <p15:sldGuideLst xmlns:p15="http://schemas.microsoft.com/office/powerpoint/2012/main"/>
+    </p:ext>
+  </p:extLst>
 </p:presentation>
 </file>
 
@@ -17205,7 +17210,20 @@
                 <a:latin typeface="Times New Roman" panose="02020603050405020304" pitchFamily="18" charset="0"/>
                 <a:cs typeface="Times New Roman" panose="02020603050405020304" pitchFamily="18" charset="0"/>
               </a:rPr>
-              <a:t>Thực hiện: Nguyễn Hoàng Tuấn - 17521217</a:t>
+              <a:t>Thực hiện: Nhóm OHOTATD</a:t>
+            </a:r>
+          </a:p>
+          <a:p>
+            <a:pPr indent="-228600" algn="l">
+              <a:buFont typeface="Arial" panose="020B0604020202020204" pitchFamily="34" charset="0"/>
+              <a:buChar char="•"/>
+            </a:pPr>
+            <a:r>
+              <a:rPr lang="en-US" sz="1800">
+                <a:latin typeface="Times New Roman" panose="02020603050405020304" pitchFamily="18" charset="0"/>
+                <a:cs typeface="Times New Roman" panose="02020603050405020304" pitchFamily="18" charset="0"/>
+              </a:rPr>
+              <a:t>Nguyễn Hoàng Tuấn - 17521217</a:t>
             </a:r>
           </a:p>
           <a:p>
